--- a/presentation/mid-term.pptx
+++ b/presentation/mid-term.pptx
@@ -5,7 +5,7 @@
     <p:sldMasterId id="2147484131" r:id="rId1"/>
   </p:sldMasterIdLst>
   <p:notesMasterIdLst>
-    <p:notesMasterId r:id="rId10"/>
+    <p:notesMasterId r:id="rId11"/>
   </p:notesMasterIdLst>
   <p:sldIdLst>
     <p:sldId id="256" r:id="rId2"/>
@@ -16,6 +16,7 @@
     <p:sldId id="262" r:id="rId7"/>
     <p:sldId id="263" r:id="rId8"/>
     <p:sldId id="261" r:id="rId9"/>
+    <p:sldId id="264" r:id="rId10"/>
   </p:sldIdLst>
   <p:sldSz cx="12192000" cy="6858000"/>
   <p:notesSz cx="6858000" cy="9144000"/>
@@ -204,7 +205,7 @@
           <a:p>
             <a:fld id="{D3FE4F08-AC12-4594-A759-55113FD8CE27}" type="datetimeFigureOut">
               <a:rPr lang="zh-CN" altLang="en-US" smtClean="0"/>
-              <a:t>2022/6/3</a:t>
+              <a:t>2022/6/4</a:t>
             </a:fld>
             <a:endParaRPr lang="zh-CN" altLang="en-US"/>
           </a:p>
@@ -976,7 +977,7 @@
           <a:p>
             <a:fld id="{3A61F16A-BA89-457F-B192-F452C4BFB8FE}" type="datetimeFigureOut">
               <a:rPr lang="zh-CN" altLang="en-US" smtClean="0"/>
-              <a:t>2022/6/3</a:t>
+              <a:t>2022/6/4</a:t>
             </a:fld>
             <a:endParaRPr lang="zh-CN" altLang="en-US"/>
           </a:p>
@@ -1146,7 +1147,7 @@
           <a:p>
             <a:fld id="{3A61F16A-BA89-457F-B192-F452C4BFB8FE}" type="datetimeFigureOut">
               <a:rPr lang="zh-CN" altLang="en-US" smtClean="0"/>
-              <a:t>2022/6/3</a:t>
+              <a:t>2022/6/4</a:t>
             </a:fld>
             <a:endParaRPr lang="zh-CN" altLang="en-US"/>
           </a:p>
@@ -1326,7 +1327,7 @@
           <a:p>
             <a:fld id="{3A61F16A-BA89-457F-B192-F452C4BFB8FE}" type="datetimeFigureOut">
               <a:rPr lang="zh-CN" altLang="en-US" smtClean="0"/>
-              <a:t>2022/6/3</a:t>
+              <a:t>2022/6/4</a:t>
             </a:fld>
             <a:endParaRPr lang="zh-CN" altLang="en-US"/>
           </a:p>
@@ -1496,7 +1497,7 @@
           <a:p>
             <a:fld id="{3A61F16A-BA89-457F-B192-F452C4BFB8FE}" type="datetimeFigureOut">
               <a:rPr lang="zh-CN" altLang="en-US" smtClean="0"/>
-              <a:t>2022/6/3</a:t>
+              <a:t>2022/6/4</a:t>
             </a:fld>
             <a:endParaRPr lang="zh-CN" altLang="en-US"/>
           </a:p>
@@ -1742,7 +1743,7 @@
           <a:p>
             <a:fld id="{3A61F16A-BA89-457F-B192-F452C4BFB8FE}" type="datetimeFigureOut">
               <a:rPr lang="zh-CN" altLang="en-US" smtClean="0"/>
-              <a:t>2022/6/3</a:t>
+              <a:t>2022/6/4</a:t>
             </a:fld>
             <a:endParaRPr lang="zh-CN" altLang="en-US"/>
           </a:p>
@@ -1974,7 +1975,7 @@
           <a:p>
             <a:fld id="{3A61F16A-BA89-457F-B192-F452C4BFB8FE}" type="datetimeFigureOut">
               <a:rPr lang="zh-CN" altLang="en-US" smtClean="0"/>
-              <a:t>2022/6/3</a:t>
+              <a:t>2022/6/4</a:t>
             </a:fld>
             <a:endParaRPr lang="zh-CN" altLang="en-US"/>
           </a:p>
@@ -2341,7 +2342,7 @@
           <a:p>
             <a:fld id="{3A61F16A-BA89-457F-B192-F452C4BFB8FE}" type="datetimeFigureOut">
               <a:rPr lang="zh-CN" altLang="en-US" smtClean="0"/>
-              <a:t>2022/6/3</a:t>
+              <a:t>2022/6/4</a:t>
             </a:fld>
             <a:endParaRPr lang="zh-CN" altLang="en-US"/>
           </a:p>
@@ -2459,7 +2460,7 @@
           <a:p>
             <a:fld id="{3A61F16A-BA89-457F-B192-F452C4BFB8FE}" type="datetimeFigureOut">
               <a:rPr lang="zh-CN" altLang="en-US" smtClean="0"/>
-              <a:t>2022/6/3</a:t>
+              <a:t>2022/6/4</a:t>
             </a:fld>
             <a:endParaRPr lang="zh-CN" altLang="en-US"/>
           </a:p>
@@ -2554,7 +2555,7 @@
           <a:p>
             <a:fld id="{3A61F16A-BA89-457F-B192-F452C4BFB8FE}" type="datetimeFigureOut">
               <a:rPr lang="zh-CN" altLang="en-US" smtClean="0"/>
-              <a:t>2022/6/3</a:t>
+              <a:t>2022/6/4</a:t>
             </a:fld>
             <a:endParaRPr lang="zh-CN" altLang="en-US"/>
           </a:p>
@@ -2831,7 +2832,7 @@
           <a:p>
             <a:fld id="{3A61F16A-BA89-457F-B192-F452C4BFB8FE}" type="datetimeFigureOut">
               <a:rPr lang="zh-CN" altLang="en-US" smtClean="0"/>
-              <a:t>2022/6/3</a:t>
+              <a:t>2022/6/4</a:t>
             </a:fld>
             <a:endParaRPr lang="zh-CN" altLang="en-US"/>
           </a:p>
@@ -3088,7 +3089,7 @@
           <a:p>
             <a:fld id="{3A61F16A-BA89-457F-B192-F452C4BFB8FE}" type="datetimeFigureOut">
               <a:rPr lang="zh-CN" altLang="en-US" smtClean="0"/>
-              <a:t>2022/6/3</a:t>
+              <a:t>2022/6/4</a:t>
             </a:fld>
             <a:endParaRPr lang="zh-CN" altLang="en-US"/>
           </a:p>
@@ -3301,7 +3302,7 @@
           <a:p>
             <a:fld id="{3A61F16A-BA89-457F-B192-F452C4BFB8FE}" type="datetimeFigureOut">
               <a:rPr lang="zh-CN" altLang="en-US" smtClean="0"/>
-              <a:t>2022/6/3</a:t>
+              <a:t>2022/6/4</a:t>
             </a:fld>
             <a:endParaRPr lang="zh-CN" altLang="en-US"/>
           </a:p>
@@ -3788,6 +3789,14 @@
   <p:clrMapOvr>
     <a:masterClrMapping/>
   </p:clrMapOvr>
+  <mc:AlternateContent xmlns:mc="http://schemas.openxmlformats.org/markup-compatibility/2006">
+    <mc:Choice xmlns:p14="http://schemas.microsoft.com/office/powerpoint/2010/main" Requires="p14">
+      <p:transition spd="slow" p14:dur="2000" advTm="8813"/>
+    </mc:Choice>
+    <mc:Fallback>
+      <p:transition spd="slow" advTm="8813"/>
+    </mc:Fallback>
+  </mc:AlternateContent>
 </p:sld>
 </file>
 
@@ -3958,6 +3967,14 @@
   <p:clrMapOvr>
     <a:masterClrMapping/>
   </p:clrMapOvr>
+  <mc:AlternateContent xmlns:mc="http://schemas.openxmlformats.org/markup-compatibility/2006">
+    <mc:Choice xmlns:p14="http://schemas.microsoft.com/office/powerpoint/2010/main" Requires="p14">
+      <p:transition spd="slow" p14:dur="2000" advTm="39124"/>
+    </mc:Choice>
+    <mc:Fallback>
+      <p:transition spd="slow" advTm="39124"/>
+    </mc:Fallback>
+  </mc:AlternateContent>
 </p:sld>
 </file>
 
@@ -4519,6 +4536,14 @@
   <p:clrMapOvr>
     <a:masterClrMapping/>
   </p:clrMapOvr>
+  <mc:AlternateContent xmlns:mc="http://schemas.openxmlformats.org/markup-compatibility/2006">
+    <mc:Choice xmlns:p14="http://schemas.microsoft.com/office/powerpoint/2010/main" Requires="p14">
+      <p:transition spd="slow" p14:dur="2000" advTm="89474"/>
+    </mc:Choice>
+    <mc:Fallback>
+      <p:transition spd="slow" advTm="89474"/>
+    </mc:Fallback>
+  </mc:AlternateContent>
 </p:sld>
 </file>
 
@@ -4722,6 +4747,14 @@
   <p:clrMapOvr>
     <a:masterClrMapping/>
   </p:clrMapOvr>
+  <mc:AlternateContent xmlns:mc="http://schemas.openxmlformats.org/markup-compatibility/2006">
+    <mc:Choice xmlns:p14="http://schemas.microsoft.com/office/powerpoint/2010/main" Requires="p14">
+      <p:transition spd="slow" p14:dur="2000" advTm="97450"/>
+    </mc:Choice>
+    <mc:Fallback>
+      <p:transition spd="slow" advTm="97450"/>
+    </mc:Fallback>
+  </mc:AlternateContent>
 </p:sld>
 </file>
 
@@ -4864,6 +4897,14 @@
   <p:clrMapOvr>
     <a:masterClrMapping/>
   </p:clrMapOvr>
+  <mc:AlternateContent xmlns:mc="http://schemas.openxmlformats.org/markup-compatibility/2006">
+    <mc:Choice xmlns:p14="http://schemas.microsoft.com/office/powerpoint/2010/main" Requires="p14">
+      <p:transition spd="slow" p14:dur="2000" advTm="20480"/>
+    </mc:Choice>
+    <mc:Fallback>
+      <p:transition spd="slow" advTm="20480"/>
+    </mc:Fallback>
+  </mc:AlternateContent>
 </p:sld>
 </file>
 
@@ -5445,6 +5486,14 @@
   <p:clrMapOvr>
     <a:masterClrMapping/>
   </p:clrMapOvr>
+  <mc:AlternateContent xmlns:mc="http://schemas.openxmlformats.org/markup-compatibility/2006">
+    <mc:Choice xmlns:p14="http://schemas.microsoft.com/office/powerpoint/2010/main" Requires="p14">
+      <p:transition spd="slow" p14:dur="2000" advTm="19900"/>
+    </mc:Choice>
+    <mc:Fallback>
+      <p:transition spd="slow" advTm="19900"/>
+    </mc:Fallback>
+  </mc:AlternateContent>
 </p:sld>
 </file>
 
@@ -5789,6 +5838,14 @@
   <p:clrMapOvr>
     <a:masterClrMapping/>
   </p:clrMapOvr>
+  <mc:AlternateContent xmlns:mc="http://schemas.openxmlformats.org/markup-compatibility/2006">
+    <mc:Choice xmlns:p14="http://schemas.microsoft.com/office/powerpoint/2010/main" Requires="p14">
+      <p:transition spd="slow" p14:dur="2000" advTm="41043"/>
+    </mc:Choice>
+    <mc:Fallback>
+      <p:transition spd="slow" advTm="41043"/>
+    </mc:Fallback>
+  </mc:AlternateContent>
 </p:sld>
 </file>
 
@@ -5955,6 +6012,242 @@
     <p:extLst>
       <p:ext uri="{BB962C8B-B14F-4D97-AF65-F5344CB8AC3E}">
         <p14:creationId xmlns:p14="http://schemas.microsoft.com/office/powerpoint/2010/main" val="132261073"/>
+      </p:ext>
+    </p:extLst>
+  </p:cSld>
+  <p:clrMapOvr>
+    <a:masterClrMapping/>
+  </p:clrMapOvr>
+  <mc:AlternateContent xmlns:mc="http://schemas.openxmlformats.org/markup-compatibility/2006">
+    <mc:Choice xmlns:p14="http://schemas.microsoft.com/office/powerpoint/2010/main" Requires="p14">
+      <p:transition spd="slow" p14:dur="2000" advTm="29122"/>
+    </mc:Choice>
+    <mc:Fallback>
+      <p:transition spd="slow" advTm="29122"/>
+    </mc:Fallback>
+  </mc:AlternateContent>
+</p:sld>
+</file>
+
+<file path=ppt/slides/slide9.xml><?xml version="1.0" encoding="utf-8"?>
+<p:sld xmlns:a="http://schemas.openxmlformats.org/drawingml/2006/main" xmlns:r="http://schemas.openxmlformats.org/officeDocument/2006/relationships" xmlns:p="http://schemas.openxmlformats.org/presentationml/2006/main">
+  <p:cSld>
+    <p:spTree>
+      <p:nvGrpSpPr>
+        <p:cNvPr id="1" name=""/>
+        <p:cNvGrpSpPr/>
+        <p:nvPr/>
+      </p:nvGrpSpPr>
+      <p:grpSpPr>
+        <a:xfrm>
+          <a:off x="0" y="0"/>
+          <a:ext cx="0" cy="0"/>
+          <a:chOff x="0" y="0"/>
+          <a:chExt cx="0" cy="0"/>
+        </a:xfrm>
+      </p:grpSpPr>
+      <p:sp>
+        <p:nvSpPr>
+          <p:cNvPr id="2" name="标题 1">
+            <a:extLst>
+              <a:ext uri="{FF2B5EF4-FFF2-40B4-BE49-F238E27FC236}">
+                <a16:creationId xmlns:a16="http://schemas.microsoft.com/office/drawing/2014/main" id="{E39988D0-65FA-4D8D-B1D4-D4CF17669FBF}"/>
+              </a:ext>
+            </a:extLst>
+          </p:cNvPr>
+          <p:cNvSpPr>
+            <a:spLocks noGrp="1"/>
+          </p:cNvSpPr>
+          <p:nvPr>
+            <p:ph type="title"/>
+          </p:nvPr>
+        </p:nvSpPr>
+        <p:spPr/>
+        <p:txBody>
+          <a:bodyPr/>
+          <a:lstStyle/>
+          <a:p>
+            <a:r>
+              <a:rPr lang="zh-CN" altLang="en-US" dirty="0"/>
+              <a:t>参考文献和实现</a:t>
+            </a:r>
+          </a:p>
+        </p:txBody>
+      </p:sp>
+      <p:sp>
+        <p:nvSpPr>
+          <p:cNvPr id="3" name="内容占位符 2">
+            <a:extLst>
+              <a:ext uri="{FF2B5EF4-FFF2-40B4-BE49-F238E27FC236}">
+                <a16:creationId xmlns:a16="http://schemas.microsoft.com/office/drawing/2014/main" id="{C02CE22D-994D-DD3A-E351-B027FBB7FF5C}"/>
+              </a:ext>
+            </a:extLst>
+          </p:cNvPr>
+          <p:cNvSpPr>
+            <a:spLocks noGrp="1"/>
+          </p:cNvSpPr>
+          <p:nvPr>
+            <p:ph idx="1"/>
+          </p:nvPr>
+        </p:nvSpPr>
+        <p:spPr/>
+        <p:txBody>
+          <a:bodyPr>
+            <a:normAutofit lnSpcReduction="10000"/>
+          </a:bodyPr>
+          <a:lstStyle/>
+          <a:p>
+            <a:r>
+              <a:rPr lang="zh-CN" altLang="en-US" dirty="0"/>
+              <a:t>工具</a:t>
+            </a:r>
+            <a:endParaRPr lang="en-US" altLang="zh-CN" dirty="0"/>
+          </a:p>
+          <a:p>
+            <a:pPr lvl="1"/>
+            <a:r>
+              <a:rPr lang="en-US" altLang="zh-CN" dirty="0"/>
+              <a:t>Dr-Noob/</a:t>
+            </a:r>
+            <a:r>
+              <a:rPr lang="en-US" altLang="zh-CN" dirty="0" err="1"/>
+              <a:t>peakperf</a:t>
+            </a:r>
+            <a:r>
+              <a:rPr lang="en-US" altLang="zh-CN" dirty="0"/>
+              <a:t>: </a:t>
+            </a:r>
+            <a:r>
+              <a:rPr lang="zh-CN" altLang="en-US" dirty="0"/>
+              <a:t>测量 </a:t>
+            </a:r>
+            <a:r>
+              <a:rPr lang="en-US" altLang="zh-CN" dirty="0"/>
+              <a:t>CPU </a:t>
+            </a:r>
+            <a:r>
+              <a:rPr lang="zh-CN" altLang="en-US" dirty="0"/>
+              <a:t>和 </a:t>
+            </a:r>
+            <a:r>
+              <a:rPr lang="en-US" altLang="zh-CN" dirty="0"/>
+              <a:t>GPU </a:t>
+            </a:r>
+            <a:r>
+              <a:rPr lang="zh-CN" altLang="en-US" dirty="0"/>
+              <a:t>的 </a:t>
+            </a:r>
+            <a:r>
+              <a:rPr lang="en-US" altLang="zh-CN" dirty="0"/>
+              <a:t>FLOPS</a:t>
+            </a:r>
+          </a:p>
+          <a:p>
+            <a:pPr lvl="1"/>
+            <a:r>
+              <a:rPr lang="en-US" altLang="zh-CN" dirty="0" err="1"/>
+              <a:t>ucb</a:t>
+            </a:r>
+            <a:r>
+              <a:rPr lang="en-US" altLang="zh-CN" dirty="0"/>
+              <a:t>-bar/</a:t>
+            </a:r>
+            <a:r>
+              <a:rPr lang="en-US" altLang="zh-CN" dirty="0" err="1"/>
+              <a:t>ccbench</a:t>
+            </a:r>
+            <a:r>
+              <a:rPr lang="en-US" altLang="zh-CN" dirty="0"/>
+              <a:t>: </a:t>
+            </a:r>
+            <a:r>
+              <a:rPr lang="zh-CN" altLang="en-US" dirty="0"/>
+              <a:t>内存系统基准测试</a:t>
+            </a:r>
+            <a:endParaRPr lang="en-US" altLang="zh-CN" dirty="0"/>
+          </a:p>
+          <a:p>
+            <a:pPr lvl="1"/>
+            <a:r>
+              <a:rPr lang="en-US" altLang="zh-CN" dirty="0"/>
+              <a:t>CUDA PTX &amp; SASS Assembler, </a:t>
+            </a:r>
+            <a:r>
+              <a:rPr lang="en-US" altLang="zh-CN" dirty="0" err="1"/>
+              <a:t>nvdisasm</a:t>
+            </a:r>
+            <a:r>
+              <a:rPr lang="en-US" altLang="zh-CN" dirty="0"/>
+              <a:t>, </a:t>
+            </a:r>
+            <a:r>
+              <a:rPr lang="en-US" altLang="zh-CN" dirty="0" err="1"/>
+              <a:t>cuobjdump</a:t>
+            </a:r>
+            <a:endParaRPr lang="en-US" altLang="zh-CN" dirty="0"/>
+          </a:p>
+          <a:p>
+            <a:r>
+              <a:rPr lang="en-US" altLang="zh-CN" dirty="0"/>
+              <a:t>Poster &amp; article</a:t>
+            </a:r>
+          </a:p>
+          <a:p>
+            <a:pPr lvl="1"/>
+            <a:r>
+              <a:rPr lang="en-US" altLang="zh-CN" dirty="0" err="1"/>
+              <a:t>Vasily</a:t>
+            </a:r>
+            <a:r>
+              <a:rPr lang="en-US" altLang="zh-CN" dirty="0"/>
+              <a:t> Volkov. 2018. A microbenchmark to study GPU performance models. In Proceedings of the 23rd ACM SIGPLAN Symposium on Principles and Practice of Parallel Programming (</a:t>
+            </a:r>
+            <a:r>
+              <a:rPr lang="en-US" altLang="zh-CN" dirty="0" err="1"/>
+              <a:t>PPoPP</a:t>
+            </a:r>
+            <a:r>
+              <a:rPr lang="en-US" altLang="zh-CN" dirty="0"/>
+              <a:t> '18). Association for Computing Machinery, New York, NY, USA, 421–422. </a:t>
+            </a:r>
+            <a:r>
+              <a:rPr lang="en-US" altLang="zh-CN" dirty="0">
+                <a:hlinkClick r:id="rId2"/>
+              </a:rPr>
+              <a:t>https://doi.org/10.1145/3178487.3178536</a:t>
+            </a:r>
+            <a:endParaRPr lang="en-US" altLang="zh-CN" dirty="0"/>
+          </a:p>
+          <a:p>
+            <a:pPr lvl="1"/>
+            <a:r>
+              <a:rPr lang="en-US" altLang="zh-CN" dirty="0"/>
+              <a:t>X. Mei and X. Chu, "Dissecting GPU Memory Hierarchy Through </a:t>
+            </a:r>
+            <a:r>
+              <a:rPr lang="en-US" altLang="zh-CN" dirty="0" err="1"/>
+              <a:t>Microbenchmarking</a:t>
+            </a:r>
+            <a:r>
+              <a:rPr lang="en-US" altLang="zh-CN" dirty="0"/>
+              <a:t>," in IEEE Transactions on Parallel and Distributed Systems, vol. 28, no. 1, pp. 72-86, 1 Jan. 2017, </a:t>
+            </a:r>
+            <a:r>
+              <a:rPr lang="en-US" altLang="zh-CN" dirty="0" err="1"/>
+              <a:t>doi</a:t>
+            </a:r>
+            <a:r>
+              <a:rPr lang="en-US" altLang="zh-CN" dirty="0"/>
+              <a:t>: 10.1109/TPDS.2016.2549523.</a:t>
+            </a:r>
+            <a:endParaRPr lang="zh-CN" altLang="en-US" dirty="0"/>
+          </a:p>
+        </p:txBody>
+      </p:sp>
+    </p:spTree>
+    <p:extLst>
+      <p:ext uri="{BB962C8B-B14F-4D97-AF65-F5344CB8AC3E}">
+        <p14:creationId xmlns:p14="http://schemas.microsoft.com/office/powerpoint/2010/main" val="3639285341"/>
       </p:ext>
     </p:extLst>
   </p:cSld>
